--- a/presentation/Presentation_COMBINED_FINAL DRAFT4.pptx
+++ b/presentation/Presentation_COMBINED_FINAL DRAFT4.pptx
@@ -41,12 +41,13 @@
     <p:sldId id="334" r:id="rId35"/>
     <p:sldId id="328" r:id="rId36"/>
     <p:sldId id="326" r:id="rId37"/>
-    <p:sldId id="327" r:id="rId38"/>
-    <p:sldId id="329" r:id="rId39"/>
-    <p:sldId id="330" r:id="rId40"/>
-    <p:sldId id="331" r:id="rId41"/>
-    <p:sldId id="332" r:id="rId42"/>
-    <p:sldId id="304" r:id="rId43"/>
+    <p:sldId id="335" r:id="rId38"/>
+    <p:sldId id="327" r:id="rId39"/>
+    <p:sldId id="329" r:id="rId40"/>
+    <p:sldId id="330" r:id="rId41"/>
+    <p:sldId id="331" r:id="rId42"/>
+    <p:sldId id="332" r:id="rId43"/>
+    <p:sldId id="304" r:id="rId44"/>
   </p:sldIdLst>
   <p:sldSz cx="12192000" cy="6858000"/>
   <p:notesSz cx="6858000" cy="9144000"/>
@@ -163,6 +164,249 @@
     </p:extLst>
   </p:cmAuthor>
 </p:cmAuthorLst>
+</file>
+
+<file path=ppt/revisionInfo.xml><?xml version="1.0" encoding="utf-8"?>
+<p1510:revInfo xmlns:a="http://schemas.openxmlformats.org/drawingml/2006/main" xmlns:r="http://schemas.openxmlformats.org/officeDocument/2006/relationships" xmlns:p1510="http://schemas.microsoft.com/office/powerpoint/2015/10/main">
+  <p1510:revLst>
+    <p1510:client id="{AC64E86E-6223-45A6-805B-793E441B2ADF}" v="1" dt="2025-06-10T22:56:15.490"/>
+  </p1510:revLst>
+</p1510:revInfo>
+</file>
+
+<file path=ppt/changesInfos/changesInfo1.xml><?xml version="1.0" encoding="utf-8"?>
+<pc:chgInfo xmlns:a="http://schemas.openxmlformats.org/drawingml/2006/main" xmlns:r="http://schemas.openxmlformats.org/officeDocument/2006/relationships" xmlns:ac="http://schemas.microsoft.com/office/drawing/2013/main/command" xmlns:pc="http://schemas.microsoft.com/office/powerpoint/2013/main/command">
+  <pc:docChgLst>
+    <pc:chgData name="Alexei Brown" userId="854d37e01b05ea2c" providerId="LiveId" clId="{AC64E86E-6223-45A6-805B-793E441B2ADF}"/>
+    <pc:docChg chg="undo custSel addSld modSld">
+      <pc:chgData name="Alexei Brown" userId="854d37e01b05ea2c" providerId="LiveId" clId="{AC64E86E-6223-45A6-805B-793E441B2ADF}" dt="2025-06-10T23:05:02.334" v="19" actId="26606"/>
+      <pc:docMkLst>
+        <pc:docMk/>
+      </pc:docMkLst>
+      <pc:sldChg chg="addSp delSp modSp mod setBg setClrOvrMap">
+        <pc:chgData name="Alexei Brown" userId="854d37e01b05ea2c" providerId="LiveId" clId="{AC64E86E-6223-45A6-805B-793E441B2ADF}" dt="2025-06-10T22:56:28.567" v="9" actId="26606"/>
+        <pc:sldMkLst>
+          <pc:docMk/>
+          <pc:sldMk cId="4294303424" sldId="326"/>
+        </pc:sldMkLst>
+        <pc:spChg chg="mod">
+          <ac:chgData name="Alexei Brown" userId="854d37e01b05ea2c" providerId="LiveId" clId="{AC64E86E-6223-45A6-805B-793E441B2ADF}" dt="2025-06-10T22:56:28.567" v="9" actId="26606"/>
+          <ac:spMkLst>
+            <pc:docMk/>
+            <pc:sldMk cId="4294303424" sldId="326"/>
+            <ac:spMk id="2" creationId="{28A5D989-B173-163F-A632-B717898371FC}"/>
+          </ac:spMkLst>
+        </pc:spChg>
+        <pc:spChg chg="del">
+          <ac:chgData name="Alexei Brown" userId="854d37e01b05ea2c" providerId="LiveId" clId="{AC64E86E-6223-45A6-805B-793E441B2ADF}" dt="2025-06-10T22:56:15.490" v="6"/>
+          <ac:spMkLst>
+            <pc:docMk/>
+            <pc:sldMk cId="4294303424" sldId="326"/>
+            <ac:spMk id="3" creationId="{DFBC6E60-EEF1-85D8-A0B6-ADBFCE59B09E}"/>
+          </ac:spMkLst>
+        </pc:spChg>
+        <pc:spChg chg="add">
+          <ac:chgData name="Alexei Brown" userId="854d37e01b05ea2c" providerId="LiveId" clId="{AC64E86E-6223-45A6-805B-793E441B2ADF}" dt="2025-06-10T22:56:28.567" v="9" actId="26606"/>
+          <ac:spMkLst>
+            <pc:docMk/>
+            <pc:sldMk cId="4294303424" sldId="326"/>
+            <ac:spMk id="8" creationId="{75658439-9645-A610-3FE5-AAD31FDFA203}"/>
+          </ac:spMkLst>
+        </pc:spChg>
+        <pc:spChg chg="add">
+          <ac:chgData name="Alexei Brown" userId="854d37e01b05ea2c" providerId="LiveId" clId="{AC64E86E-6223-45A6-805B-793E441B2ADF}" dt="2025-06-10T22:56:28.567" v="9" actId="26606"/>
+          <ac:spMkLst>
+            <pc:docMk/>
+            <pc:sldMk cId="4294303424" sldId="326"/>
+            <ac:spMk id="11" creationId="{D6F819BF-BEC4-454B-82CF-C7F1926407F9}"/>
+          </ac:spMkLst>
+        </pc:spChg>
+        <pc:spChg chg="add">
+          <ac:chgData name="Alexei Brown" userId="854d37e01b05ea2c" providerId="LiveId" clId="{AC64E86E-6223-45A6-805B-793E441B2ADF}" dt="2025-06-10T22:56:28.567" v="9" actId="26606"/>
+          <ac:spMkLst>
+            <pc:docMk/>
+            <pc:sldMk cId="4294303424" sldId="326"/>
+            <ac:spMk id="13" creationId="{79D5C3D0-88DD-405B-A549-4B5C3712E181}"/>
+          </ac:spMkLst>
+        </pc:spChg>
+        <pc:grpChg chg="add">
+          <ac:chgData name="Alexei Brown" userId="854d37e01b05ea2c" providerId="LiveId" clId="{AC64E86E-6223-45A6-805B-793E441B2ADF}" dt="2025-06-10T22:56:28.567" v="9" actId="26606"/>
+          <ac:grpSpMkLst>
+            <pc:docMk/>
+            <pc:sldMk cId="4294303424" sldId="326"/>
+            <ac:grpSpMk id="15" creationId="{B29E1950-A366-48B7-8DAB-726C0DE58072}"/>
+          </ac:grpSpMkLst>
+        </pc:grpChg>
+        <pc:picChg chg="add mod">
+          <ac:chgData name="Alexei Brown" userId="854d37e01b05ea2c" providerId="LiveId" clId="{AC64E86E-6223-45A6-805B-793E441B2ADF}" dt="2025-06-10T22:56:28.567" v="9" actId="26606"/>
+          <ac:picMkLst>
+            <pc:docMk/>
+            <pc:sldMk cId="4294303424" sldId="326"/>
+            <ac:picMk id="4" creationId="{7E405483-31AD-8A93-ED8F-11B5A8D83935}"/>
+          </ac:picMkLst>
+        </pc:picChg>
+      </pc:sldChg>
+      <pc:sldChg chg="addSp delSp modSp mod setBg setClrOvrMap">
+        <pc:chgData name="Alexei Brown" userId="854d37e01b05ea2c" providerId="LiveId" clId="{AC64E86E-6223-45A6-805B-793E441B2ADF}" dt="2025-06-10T22:55:54.089" v="5" actId="26606"/>
+        <pc:sldMkLst>
+          <pc:docMk/>
+          <pc:sldMk cId="2488127477" sldId="327"/>
+        </pc:sldMkLst>
+        <pc:spChg chg="mod">
+          <ac:chgData name="Alexei Brown" userId="854d37e01b05ea2c" providerId="LiveId" clId="{AC64E86E-6223-45A6-805B-793E441B2ADF}" dt="2025-06-10T22:55:54.089" v="5" actId="26606"/>
+          <ac:spMkLst>
+            <pc:docMk/>
+            <pc:sldMk cId="2488127477" sldId="327"/>
+            <ac:spMk id="2" creationId="{90A33477-BBB9-29C2-368A-B8D6E2A708D0}"/>
+          </ac:spMkLst>
+        </pc:spChg>
+        <pc:spChg chg="del">
+          <ac:chgData name="Alexei Brown" userId="854d37e01b05ea2c" providerId="LiveId" clId="{AC64E86E-6223-45A6-805B-793E441B2ADF}" dt="2025-06-10T22:55:35.519" v="0" actId="22"/>
+          <ac:spMkLst>
+            <pc:docMk/>
+            <pc:sldMk cId="2488127477" sldId="327"/>
+            <ac:spMk id="3" creationId="{2C68B26E-2F4A-6622-1497-DF2413418D9C}"/>
+          </ac:spMkLst>
+        </pc:spChg>
+        <pc:spChg chg="add del">
+          <ac:chgData name="Alexei Brown" userId="854d37e01b05ea2c" providerId="LiveId" clId="{AC64E86E-6223-45A6-805B-793E441B2ADF}" dt="2025-06-10T22:55:54.079" v="4" actId="26606"/>
+          <ac:spMkLst>
+            <pc:docMk/>
+            <pc:sldMk cId="2488127477" sldId="327"/>
+            <ac:spMk id="9" creationId="{9FC28A37-23CB-E41A-6AEB-FF7BD646033B}"/>
+          </ac:spMkLst>
+        </pc:spChg>
+        <pc:spChg chg="add">
+          <ac:chgData name="Alexei Brown" userId="854d37e01b05ea2c" providerId="LiveId" clId="{AC64E86E-6223-45A6-805B-793E441B2ADF}" dt="2025-06-10T22:55:54.089" v="5" actId="26606"/>
+          <ac:spMkLst>
+            <pc:docMk/>
+            <pc:sldMk cId="2488127477" sldId="327"/>
+            <ac:spMk id="20" creationId="{124D9F5B-C72B-41EE-97C2-D3600B62717D}"/>
+          </ac:spMkLst>
+        </pc:spChg>
+        <pc:spChg chg="add">
+          <ac:chgData name="Alexei Brown" userId="854d37e01b05ea2c" providerId="LiveId" clId="{AC64E86E-6223-45A6-805B-793E441B2ADF}" dt="2025-06-10T22:55:54.089" v="5" actId="26606"/>
+          <ac:spMkLst>
+            <pc:docMk/>
+            <pc:sldMk cId="2488127477" sldId="327"/>
+            <ac:spMk id="21" creationId="{C16BAE1A-E475-44B5-9665-FAD701EFF2D7}"/>
+          </ac:spMkLst>
+        </pc:spChg>
+        <pc:grpChg chg="add del">
+          <ac:chgData name="Alexei Brown" userId="854d37e01b05ea2c" providerId="LiveId" clId="{AC64E86E-6223-45A6-805B-793E441B2ADF}" dt="2025-06-10T22:55:54.079" v="4" actId="26606"/>
+          <ac:grpSpMkLst>
+            <pc:docMk/>
+            <pc:sldMk cId="2488127477" sldId="327"/>
+            <ac:grpSpMk id="12" creationId="{6B975FEB-EB22-4265-87DB-98C8B1A03E61}"/>
+          </ac:grpSpMkLst>
+        </pc:grpChg>
+        <pc:grpChg chg="add">
+          <ac:chgData name="Alexei Brown" userId="854d37e01b05ea2c" providerId="LiveId" clId="{AC64E86E-6223-45A6-805B-793E441B2ADF}" dt="2025-06-10T22:55:54.089" v="5" actId="26606"/>
+          <ac:grpSpMkLst>
+            <pc:docMk/>
+            <pc:sldMk cId="2488127477" sldId="327"/>
+            <ac:grpSpMk id="14" creationId="{0180A64C-1862-4B1B-8953-FA96DEE4C44F}"/>
+          </ac:grpSpMkLst>
+        </pc:grpChg>
+        <pc:picChg chg="add mod ord">
+          <ac:chgData name="Alexei Brown" userId="854d37e01b05ea2c" providerId="LiveId" clId="{AC64E86E-6223-45A6-805B-793E441B2ADF}" dt="2025-06-10T22:55:54.089" v="5" actId="26606"/>
+          <ac:picMkLst>
+            <pc:docMk/>
+            <pc:sldMk cId="2488127477" sldId="327"/>
+            <ac:picMk id="5" creationId="{28314ED5-1FC2-FDEC-A009-FA1F2CC0A4E8}"/>
+          </ac:picMkLst>
+        </pc:picChg>
+      </pc:sldChg>
+      <pc:sldChg chg="addSp delSp modSp new mod setBg">
+        <pc:chgData name="Alexei Brown" userId="854d37e01b05ea2c" providerId="LiveId" clId="{AC64E86E-6223-45A6-805B-793E441B2ADF}" dt="2025-06-10T23:05:02.334" v="19" actId="26606"/>
+        <pc:sldMkLst>
+          <pc:docMk/>
+          <pc:sldMk cId="518342306" sldId="335"/>
+        </pc:sldMkLst>
+        <pc:spChg chg="add del">
+          <ac:chgData name="Alexei Brown" userId="854d37e01b05ea2c" providerId="LiveId" clId="{AC64E86E-6223-45A6-805B-793E441B2ADF}" dt="2025-06-10T23:05:02.334" v="19" actId="26606"/>
+          <ac:spMkLst>
+            <pc:docMk/>
+            <pc:sldMk cId="518342306" sldId="335"/>
+            <ac:spMk id="2" creationId="{3CB53FD6-4983-1E20-0C8A-117C51761B30}"/>
+          </ac:spMkLst>
+        </pc:spChg>
+        <pc:spChg chg="del">
+          <ac:chgData name="Alexei Brown" userId="854d37e01b05ea2c" providerId="LiveId" clId="{AC64E86E-6223-45A6-805B-793E441B2ADF}" dt="2025-06-10T23:04:33.435" v="11" actId="22"/>
+          <ac:spMkLst>
+            <pc:docMk/>
+            <pc:sldMk cId="518342306" sldId="335"/>
+            <ac:spMk id="3" creationId="{E99CAFA5-7412-CCFD-0FA5-97967BC657AE}"/>
+          </ac:spMkLst>
+        </pc:spChg>
+        <pc:spChg chg="add del">
+          <ac:chgData name="Alexei Brown" userId="854d37e01b05ea2c" providerId="LiveId" clId="{AC64E86E-6223-45A6-805B-793E441B2ADF}" dt="2025-06-10T23:04:58.446" v="16" actId="26606"/>
+          <ac:spMkLst>
+            <pc:docMk/>
+            <pc:sldMk cId="518342306" sldId="335"/>
+            <ac:spMk id="17" creationId="{9A212F8F-D812-4A16-BE82-F3500DE32174}"/>
+          </ac:spMkLst>
+        </pc:spChg>
+        <pc:spChg chg="add del">
+          <ac:chgData name="Alexei Brown" userId="854d37e01b05ea2c" providerId="LiveId" clId="{AC64E86E-6223-45A6-805B-793E441B2ADF}" dt="2025-06-10T23:04:58.446" v="16" actId="26606"/>
+          <ac:spMkLst>
+            <pc:docMk/>
+            <pc:sldMk cId="518342306" sldId="335"/>
+            <ac:spMk id="19" creationId="{D2CF1D1B-04ED-443D-A9FE-68BF8859BDD6}"/>
+          </ac:spMkLst>
+        </pc:spChg>
+        <pc:spChg chg="add">
+          <ac:chgData name="Alexei Brown" userId="854d37e01b05ea2c" providerId="LiveId" clId="{AC64E86E-6223-45A6-805B-793E441B2ADF}" dt="2025-06-10T23:05:02.334" v="19" actId="26606"/>
+          <ac:spMkLst>
+            <pc:docMk/>
+            <pc:sldMk cId="518342306" sldId="335"/>
+            <ac:spMk id="24" creationId="{9A212F8F-D812-4A16-BE82-F3500DE32174}"/>
+          </ac:spMkLst>
+        </pc:spChg>
+        <pc:spChg chg="add">
+          <ac:chgData name="Alexei Brown" userId="854d37e01b05ea2c" providerId="LiveId" clId="{AC64E86E-6223-45A6-805B-793E441B2ADF}" dt="2025-06-10T23:05:02.334" v="19" actId="26606"/>
+          <ac:spMkLst>
+            <pc:docMk/>
+            <pc:sldMk cId="518342306" sldId="335"/>
+            <ac:spMk id="25" creationId="{D2CF1D1B-04ED-443D-A9FE-68BF8859BDD6}"/>
+          </ac:spMkLst>
+        </pc:spChg>
+        <pc:grpChg chg="add del">
+          <ac:chgData name="Alexei Brown" userId="854d37e01b05ea2c" providerId="LiveId" clId="{AC64E86E-6223-45A6-805B-793E441B2ADF}" dt="2025-06-10T23:04:58.446" v="16" actId="26606"/>
+          <ac:grpSpMkLst>
+            <pc:docMk/>
+            <pc:sldMk cId="518342306" sldId="335"/>
+            <ac:grpSpMk id="10" creationId="{2103B461-323C-4912-BFFD-C37582662085}"/>
+          </ac:grpSpMkLst>
+        </pc:grpChg>
+        <pc:grpChg chg="add del">
+          <ac:chgData name="Alexei Brown" userId="854d37e01b05ea2c" providerId="LiveId" clId="{AC64E86E-6223-45A6-805B-793E441B2ADF}" dt="2025-06-10T23:05:02.334" v="18" actId="26606"/>
+          <ac:grpSpMkLst>
+            <pc:docMk/>
+            <pc:sldMk cId="518342306" sldId="335"/>
+            <ac:grpSpMk id="21" creationId="{12D8CD66-6E34-4232-868C-F61EC84AFC0B}"/>
+          </ac:grpSpMkLst>
+        </pc:grpChg>
+        <pc:grpChg chg="add">
+          <ac:chgData name="Alexei Brown" userId="854d37e01b05ea2c" providerId="LiveId" clId="{AC64E86E-6223-45A6-805B-793E441B2ADF}" dt="2025-06-10T23:05:02.334" v="19" actId="26606"/>
+          <ac:grpSpMkLst>
+            <pc:docMk/>
+            <pc:sldMk cId="518342306" sldId="335"/>
+            <ac:grpSpMk id="23" creationId="{2103B461-323C-4912-BFFD-C37582662085}"/>
+          </ac:grpSpMkLst>
+        </pc:grpChg>
+        <pc:picChg chg="add mod ord">
+          <ac:chgData name="Alexei Brown" userId="854d37e01b05ea2c" providerId="LiveId" clId="{AC64E86E-6223-45A6-805B-793E441B2ADF}" dt="2025-06-10T23:05:02.334" v="19" actId="26606"/>
+          <ac:picMkLst>
+            <pc:docMk/>
+            <pc:sldMk cId="518342306" sldId="335"/>
+            <ac:picMk id="5" creationId="{E87B6F10-7650-464C-8465-13AB18B8E058}"/>
+          </ac:picMkLst>
+        </pc:picChg>
+      </pc:sldChg>
+    </pc:docChg>
+  </pc:docChgLst>
+</pc:chgInfo>
 </file>
 
 <file path=ppt/slideLayouts/slideLayout1.xml><?xml version="1.0" encoding="utf-8"?>
@@ -19402,6 +19646,14 @@
 <file path=ppt/slides/slide36.xml><?xml version="1.0" encoding="utf-8"?>
 <p:sld xmlns:a="http://schemas.openxmlformats.org/drawingml/2006/main" xmlns:r="http://schemas.openxmlformats.org/officeDocument/2006/relationships" xmlns:p="http://schemas.openxmlformats.org/presentationml/2006/main">
   <p:cSld>
+    <p:bg>
+      <p:bgPr>
+        <a:solidFill>
+          <a:schemeClr val="bg1"/>
+        </a:solidFill>
+        <a:effectLst/>
+      </p:bgPr>
+    </p:bg>
     <p:spTree>
       <p:nvGrpSpPr>
         <p:cNvPr id="1" name=""/>
@@ -19418,6 +19670,66 @@
       </p:grpSpPr>
       <p:sp>
         <p:nvSpPr>
+          <p:cNvPr id="11" name="Rectangle 10">
+            <a:extLst>
+              <a:ext uri="{FF2B5EF4-FFF2-40B4-BE49-F238E27FC236}">
+                <a16:creationId xmlns:a16="http://schemas.microsoft.com/office/drawing/2014/main" id="{D6F819BF-BEC4-454B-82CF-C7F1926407F9}"/>
+              </a:ext>
+              <a:ext uri="{C183D7F6-B498-43B3-948B-1728B52AA6E4}">
+                <adec:decorative xmlns:adec="http://schemas.microsoft.com/office/drawing/2017/decorative" val="1"/>
+              </a:ext>
+            </a:extLst>
+          </p:cNvPr>
+          <p:cNvSpPr>
+            <a:spLocks noGrp="1" noRot="1" noChangeAspect="1" noMove="1" noResize="1" noEditPoints="1" noAdjustHandles="1" noChangeArrowheads="1" noChangeShapeType="1" noTextEdit="1"/>
+          </p:cNvSpPr>
+          <p:nvPr>
+            <p:extLst>
+              <p:ext uri="{386F3935-93C4-4BCD-93E2-E3B085C9AB24}">
+                <p16:designElem xmlns:p16="http://schemas.microsoft.com/office/powerpoint/2015/main" val="1"/>
+              </p:ext>
+            </p:extLst>
+          </p:nvPr>
+        </p:nvSpPr>
+        <p:spPr>
+          <a:xfrm>
+            <a:off x="0" y="0"/>
+            <a:ext cx="12192000" cy="6858000"/>
+          </a:xfrm>
+          <a:prstGeom prst="rect">
+            <a:avLst/>
+          </a:prstGeom>
+          <a:ln>
+            <a:noFill/>
+          </a:ln>
+        </p:spPr>
+        <p:style>
+          <a:lnRef idx="2">
+            <a:schemeClr val="accent1">
+              <a:shade val="50000"/>
+            </a:schemeClr>
+          </a:lnRef>
+          <a:fillRef idx="1002">
+            <a:schemeClr val="dk2"/>
+          </a:fillRef>
+          <a:effectRef idx="0">
+            <a:schemeClr val="accent1"/>
+          </a:effectRef>
+          <a:fontRef idx="minor">
+            <a:schemeClr val="lt1"/>
+          </a:fontRef>
+        </p:style>
+        <p:txBody>
+          <a:bodyPr rtlCol="0" anchor="ctr"/>
+          <a:lstStyle/>
+          <a:p>
+            <a:pPr algn="ctr"/>
+            <a:endParaRPr lang="en-US"/>
+          </a:p>
+        </p:txBody>
+      </p:sp>
+      <p:sp>
+        <p:nvSpPr>
           <p:cNvPr id="2" name="Title 1">
             <a:extLst>
               <a:ext uri="{FF2B5EF4-FFF2-40B4-BE49-F238E27FC236}">
@@ -19432,24 +19744,135 @@
             <p:ph type="title"/>
           </p:nvPr>
         </p:nvSpPr>
-        <p:spPr/>
+        <p:spPr>
+          <a:xfrm>
+            <a:off x="7532710" y="620722"/>
+            <a:ext cx="3382941" cy="1142462"/>
+          </a:xfrm>
+        </p:spPr>
         <p:txBody>
-          <a:bodyPr/>
+          <a:bodyPr anchor="b">
+            <a:normAutofit/>
+          </a:bodyPr>
           <a:lstStyle/>
           <a:p>
             <a:r>
-              <a:rPr lang="en-GB" dirty="0"/>
+              <a:rPr lang="en-GB" sz="2400">
+                <a:solidFill>
+                  <a:srgbClr val="FFFFFF"/>
+                </a:solidFill>
+              </a:rPr>
               <a:t>Supply vs Demand by Genre</a:t>
             </a:r>
           </a:p>
         </p:txBody>
       </p:sp>
+      <p:sp useBgFill="1">
+        <p:nvSpPr>
+          <p:cNvPr id="13" name="Snip Diagonal Corner Rectangle 21">
+            <a:extLst>
+              <a:ext uri="{FF2B5EF4-FFF2-40B4-BE49-F238E27FC236}">
+                <a16:creationId xmlns:a16="http://schemas.microsoft.com/office/drawing/2014/main" id="{79D5C3D0-88DD-405B-A549-4B5C3712E181}"/>
+              </a:ext>
+              <a:ext uri="{C183D7F6-B498-43B3-948B-1728B52AA6E4}">
+                <adec:decorative xmlns:adec="http://schemas.microsoft.com/office/drawing/2017/decorative" val="1"/>
+              </a:ext>
+            </a:extLst>
+          </p:cNvPr>
+          <p:cNvSpPr>
+            <a:spLocks noGrp="1" noRot="1" noChangeAspect="1" noMove="1" noResize="1" noEditPoints="1" noAdjustHandles="1" noChangeArrowheads="1" noChangeShapeType="1" noTextEdit="1"/>
+          </p:cNvSpPr>
+          <p:nvPr>
+            <p:extLst>
+              <p:ext uri="{386F3935-93C4-4BCD-93E2-E3B085C9AB24}">
+                <p16:designElem xmlns:p16="http://schemas.microsoft.com/office/powerpoint/2015/main" val="1"/>
+              </p:ext>
+            </p:extLst>
+          </p:nvPr>
+        </p:nvSpPr>
+        <p:spPr>
+          <a:xfrm>
+            <a:off x="684212" y="641648"/>
+            <a:ext cx="6575496" cy="5286838"/>
+          </a:xfrm>
+          <a:prstGeom prst="snip2DiagRect">
+            <a:avLst>
+              <a:gd name="adj1" fmla="val 8741"/>
+              <a:gd name="adj2" fmla="val 0"/>
+            </a:avLst>
+          </a:prstGeom>
+          <a:ln>
+            <a:noFill/>
+          </a:ln>
+          <a:effectLst>
+            <a:innerShdw blurRad="57150" dist="38100" dir="14460000">
+              <a:prstClr val="black">
+                <a:alpha val="70000"/>
+              </a:prstClr>
+            </a:innerShdw>
+          </a:effectLst>
+        </p:spPr>
+        <p:style>
+          <a:lnRef idx="2">
+            <a:schemeClr val="accent1">
+              <a:shade val="50000"/>
+            </a:schemeClr>
+          </a:lnRef>
+          <a:fillRef idx="1">
+            <a:schemeClr val="accent1"/>
+          </a:fillRef>
+          <a:effectRef idx="0">
+            <a:schemeClr val="accent1"/>
+          </a:effectRef>
+          <a:fontRef idx="minor">
+            <a:schemeClr val="lt1"/>
+          </a:fontRef>
+        </p:style>
+        <p:txBody>
+          <a:bodyPr rtlCol="0" anchor="ctr"/>
+          <a:lstStyle/>
+          <a:p>
+            <a:pPr algn="ctr"/>
+            <a:endParaRPr lang="en-US"/>
+          </a:p>
+        </p:txBody>
+      </p:sp>
+      <p:pic>
+        <p:nvPicPr>
+          <p:cNvPr id="4" name="Content Placeholder 3">
+            <a:extLst>
+              <a:ext uri="{FF2B5EF4-FFF2-40B4-BE49-F238E27FC236}">
+                <a16:creationId xmlns:a16="http://schemas.microsoft.com/office/drawing/2014/main" id="{7E405483-31AD-8A93-ED8F-11B5A8D83935}"/>
+              </a:ext>
+            </a:extLst>
+          </p:cNvPr>
+          <p:cNvPicPr>
+            <a:picLocks noChangeAspect="1"/>
+          </p:cNvPicPr>
+          <p:nvPr/>
+        </p:nvPicPr>
+        <p:blipFill>
+          <a:blip r:embed="rId2"/>
+          <a:stretch>
+            <a:fillRect/>
+          </a:stretch>
+        </p:blipFill>
+        <p:spPr>
+          <a:xfrm>
+            <a:off x="1473069" y="1097060"/>
+            <a:ext cx="4897358" cy="4334162"/>
+          </a:xfrm>
+          <a:prstGeom prst="rect">
+            <a:avLst/>
+          </a:prstGeom>
+        </p:spPr>
+      </p:pic>
       <p:sp>
         <p:nvSpPr>
-          <p:cNvPr id="3" name="Content Placeholder 2">
+          <p:cNvPr id="8" name="Content Placeholder 7">
             <a:extLst>
               <a:ext uri="{FF2B5EF4-FFF2-40B4-BE49-F238E27FC236}">
-                <a16:creationId xmlns:a16="http://schemas.microsoft.com/office/drawing/2014/main" id="{DFBC6E60-EEF1-85D8-A0B6-ADBFCE59B09E}"/>
+                <a16:creationId xmlns:a16="http://schemas.microsoft.com/office/drawing/2014/main" id="{75658439-9645-A610-3FE5-AAD31FDFA203}"/>
               </a:ext>
             </a:extLst>
           </p:cNvPr>
@@ -19460,19 +19883,841 @@
             <p:ph idx="1"/>
           </p:nvPr>
         </p:nvSpPr>
-        <p:spPr/>
+        <p:spPr>
+          <a:xfrm>
+            <a:off x="7532710" y="1822449"/>
+            <a:ext cx="3479419" cy="2922591"/>
+          </a:xfrm>
+        </p:spPr>
         <p:txBody>
-          <a:bodyPr/>
+          <a:bodyPr anchor="t">
+            <a:normAutofit/>
+          </a:bodyPr>
           <a:lstStyle/>
           <a:p>
-            <a:endParaRPr lang="en-GB"/>
+            <a:endParaRPr lang="en-US" sz="1200" dirty="0">
+              <a:solidFill>
+                <a:srgbClr val="0F496F"/>
+              </a:solidFill>
+            </a:endParaRPr>
           </a:p>
         </p:txBody>
       </p:sp>
+      <p:grpSp>
+        <p:nvGrpSpPr>
+          <p:cNvPr id="15" name="Group 14">
+            <a:extLst>
+              <a:ext uri="{FF2B5EF4-FFF2-40B4-BE49-F238E27FC236}">
+                <a16:creationId xmlns:a16="http://schemas.microsoft.com/office/drawing/2014/main" id="{B29E1950-A366-48B7-8DAB-726C0DE58072}"/>
+              </a:ext>
+              <a:ext uri="{C183D7F6-B498-43B3-948B-1728B52AA6E4}">
+                <adec:decorative xmlns:adec="http://schemas.microsoft.com/office/drawing/2017/decorative" val="1"/>
+              </a:ext>
+            </a:extLst>
+          </p:cNvPr>
+          <p:cNvGrpSpPr>
+            <a:grpSpLocks noGrp="1" noUngrp="1" noRot="1" noChangeAspect="1" noMove="1" noResize="1"/>
+          </p:cNvGrpSpPr>
+          <p:nvPr>
+            <p:extLst>
+              <p:ext uri="{386F3935-93C4-4BCD-93E2-E3B085C9AB24}">
+                <p16:designElem xmlns:p16="http://schemas.microsoft.com/office/powerpoint/2015/main" val="1"/>
+              </p:ext>
+            </p:extLst>
+          </p:nvPr>
+        </p:nvGrpSpPr>
+        <p:grpSpPr>
+          <a:xfrm>
+            <a:off x="9206969" y="2963333"/>
+            <a:ext cx="2981858" cy="3208867"/>
+            <a:chOff x="9206969" y="2963333"/>
+            <a:chExt cx="2981858" cy="3208867"/>
+          </a:xfrm>
+        </p:grpSpPr>
+        <p:cxnSp>
+          <p:nvCxnSpPr>
+            <p:cNvPr id="16" name="Straight Connector 15">
+              <a:extLst>
+                <a:ext uri="{FF2B5EF4-FFF2-40B4-BE49-F238E27FC236}">
+                  <a16:creationId xmlns:a16="http://schemas.microsoft.com/office/drawing/2014/main" id="{624123CD-2156-4134-A3FB-C82036B5FAEB}"/>
+                </a:ext>
+                <a:ext uri="{C183D7F6-B498-43B3-948B-1728B52AA6E4}">
+                  <adec:decorative xmlns:adec="http://schemas.microsoft.com/office/drawing/2017/decorative" val="1"/>
+                </a:ext>
+              </a:extLst>
+            </p:cNvPr>
+            <p:cNvCxnSpPr/>
+            <p:nvPr>
+              <p:extLst>
+                <p:ext uri="{386F3935-93C4-4BCD-93E2-E3B085C9AB24}">
+                  <p16:designElem xmlns:p16="http://schemas.microsoft.com/office/powerpoint/2015/main" val="1"/>
+                </p:ext>
+              </p:extLst>
+            </p:nvPr>
+          </p:nvCxnSpPr>
+          <p:spPr>
+            <a:xfrm flipH="1">
+              <a:off x="11276012" y="2963333"/>
+              <a:ext cx="912814" cy="912812"/>
+            </a:xfrm>
+            <a:prstGeom prst="line">
+              <a:avLst/>
+            </a:prstGeom>
+            <a:ln w="9525">
+              <a:solidFill>
+                <a:srgbClr val="FFFFFF"/>
+              </a:solidFill>
+            </a:ln>
+          </p:spPr>
+          <p:style>
+            <a:lnRef idx="2">
+              <a:schemeClr val="accent1"/>
+            </a:lnRef>
+            <a:fillRef idx="0">
+              <a:schemeClr val="accent1"/>
+            </a:fillRef>
+            <a:effectRef idx="1">
+              <a:schemeClr val="accent1"/>
+            </a:effectRef>
+            <a:fontRef idx="minor">
+              <a:schemeClr val="tx1"/>
+            </a:fontRef>
+          </p:style>
+        </p:cxnSp>
+        <p:cxnSp>
+          <p:nvCxnSpPr>
+            <p:cNvPr id="17" name="Straight Connector 16">
+              <a:extLst>
+                <a:ext uri="{FF2B5EF4-FFF2-40B4-BE49-F238E27FC236}">
+                  <a16:creationId xmlns:a16="http://schemas.microsoft.com/office/drawing/2014/main" id="{282DAEA8-4DC7-4972-8972-06976C61D518}"/>
+                </a:ext>
+                <a:ext uri="{C183D7F6-B498-43B3-948B-1728B52AA6E4}">
+                  <adec:decorative xmlns:adec="http://schemas.microsoft.com/office/drawing/2017/decorative" val="1"/>
+                </a:ext>
+              </a:extLst>
+            </p:cNvPr>
+            <p:cNvCxnSpPr/>
+            <p:nvPr>
+              <p:extLst>
+                <p:ext uri="{386F3935-93C4-4BCD-93E2-E3B085C9AB24}">
+                  <p16:designElem xmlns:p16="http://schemas.microsoft.com/office/powerpoint/2015/main" val="1"/>
+                </p:ext>
+              </p:extLst>
+            </p:nvPr>
+          </p:nvCxnSpPr>
+          <p:spPr>
+            <a:xfrm flipH="1">
+              <a:off x="9206969" y="3190344"/>
+              <a:ext cx="2981857" cy="2981856"/>
+            </a:xfrm>
+            <a:prstGeom prst="line">
+              <a:avLst/>
+            </a:prstGeom>
+            <a:ln w="9525">
+              <a:solidFill>
+                <a:srgbClr val="FFFFFF"/>
+              </a:solidFill>
+            </a:ln>
+          </p:spPr>
+          <p:style>
+            <a:lnRef idx="2">
+              <a:schemeClr val="accent1"/>
+            </a:lnRef>
+            <a:fillRef idx="0">
+              <a:schemeClr val="accent1"/>
+            </a:fillRef>
+            <a:effectRef idx="1">
+              <a:schemeClr val="accent1"/>
+            </a:effectRef>
+            <a:fontRef idx="minor">
+              <a:schemeClr val="tx1"/>
+            </a:fontRef>
+          </p:style>
+        </p:cxnSp>
+        <p:cxnSp>
+          <p:nvCxnSpPr>
+            <p:cNvPr id="18" name="Straight Connector 17">
+              <a:extLst>
+                <a:ext uri="{FF2B5EF4-FFF2-40B4-BE49-F238E27FC236}">
+                  <a16:creationId xmlns:a16="http://schemas.microsoft.com/office/drawing/2014/main" id="{C33B16A3-1C35-4E6B-88DA-2A2550F94147}"/>
+                </a:ext>
+                <a:ext uri="{C183D7F6-B498-43B3-948B-1728B52AA6E4}">
+                  <adec:decorative xmlns:adec="http://schemas.microsoft.com/office/drawing/2017/decorative" val="1"/>
+                </a:ext>
+              </a:extLst>
+            </p:cNvPr>
+            <p:cNvCxnSpPr/>
+            <p:nvPr>
+              <p:extLst>
+                <p:ext uri="{386F3935-93C4-4BCD-93E2-E3B085C9AB24}">
+                  <p16:designElem xmlns:p16="http://schemas.microsoft.com/office/powerpoint/2015/main" val="1"/>
+                </p:ext>
+              </p:extLst>
+            </p:nvPr>
+          </p:nvCxnSpPr>
+          <p:spPr>
+            <a:xfrm flipH="1">
+              <a:off x="10292292" y="3285067"/>
+              <a:ext cx="1896534" cy="1896533"/>
+            </a:xfrm>
+            <a:prstGeom prst="line">
+              <a:avLst/>
+            </a:prstGeom>
+            <a:ln w="9525">
+              <a:solidFill>
+                <a:srgbClr val="FFFFFF"/>
+              </a:solidFill>
+            </a:ln>
+          </p:spPr>
+          <p:style>
+            <a:lnRef idx="2">
+              <a:schemeClr val="accent1"/>
+            </a:lnRef>
+            <a:fillRef idx="0">
+              <a:schemeClr val="accent1"/>
+            </a:fillRef>
+            <a:effectRef idx="1">
+              <a:schemeClr val="accent1"/>
+            </a:effectRef>
+            <a:fontRef idx="minor">
+              <a:schemeClr val="tx1"/>
+            </a:fontRef>
+          </p:style>
+        </p:cxnSp>
+        <p:cxnSp>
+          <p:nvCxnSpPr>
+            <p:cNvPr id="19" name="Straight Connector 18">
+              <a:extLst>
+                <a:ext uri="{FF2B5EF4-FFF2-40B4-BE49-F238E27FC236}">
+                  <a16:creationId xmlns:a16="http://schemas.microsoft.com/office/drawing/2014/main" id="{106381D1-240B-4A28-88D3-6ACC575DCF15}"/>
+                </a:ext>
+                <a:ext uri="{C183D7F6-B498-43B3-948B-1728B52AA6E4}">
+                  <adec:decorative xmlns:adec="http://schemas.microsoft.com/office/drawing/2017/decorative" val="1"/>
+                </a:ext>
+              </a:extLst>
+            </p:cNvPr>
+            <p:cNvCxnSpPr/>
+            <p:nvPr>
+              <p:extLst>
+                <p:ext uri="{386F3935-93C4-4BCD-93E2-E3B085C9AB24}">
+                  <p16:designElem xmlns:p16="http://schemas.microsoft.com/office/powerpoint/2015/main" val="1"/>
+                </p:ext>
+              </p:extLst>
+            </p:nvPr>
+          </p:nvCxnSpPr>
+          <p:spPr>
+            <a:xfrm flipH="1">
+              <a:off x="10443103" y="3131080"/>
+              <a:ext cx="1745722" cy="1745720"/>
+            </a:xfrm>
+            <a:prstGeom prst="line">
+              <a:avLst/>
+            </a:prstGeom>
+            <a:ln w="28575">
+              <a:solidFill>
+                <a:srgbClr val="FFFFFF"/>
+              </a:solidFill>
+            </a:ln>
+          </p:spPr>
+          <p:style>
+            <a:lnRef idx="2">
+              <a:schemeClr val="accent1"/>
+            </a:lnRef>
+            <a:fillRef idx="0">
+              <a:schemeClr val="accent1"/>
+            </a:fillRef>
+            <a:effectRef idx="1">
+              <a:schemeClr val="accent1"/>
+            </a:effectRef>
+            <a:fontRef idx="minor">
+              <a:schemeClr val="tx1"/>
+            </a:fontRef>
+          </p:style>
+        </p:cxnSp>
+        <p:cxnSp>
+          <p:nvCxnSpPr>
+            <p:cNvPr id="20" name="Straight Connector 19">
+              <a:extLst>
+                <a:ext uri="{FF2B5EF4-FFF2-40B4-BE49-F238E27FC236}">
+                  <a16:creationId xmlns:a16="http://schemas.microsoft.com/office/drawing/2014/main" id="{7C8CFC7B-B818-47F0-AE87-6B34B07D14D2}"/>
+                </a:ext>
+                <a:ext uri="{C183D7F6-B498-43B3-948B-1728B52AA6E4}">
+                  <adec:decorative xmlns:adec="http://schemas.microsoft.com/office/drawing/2017/decorative" val="1"/>
+                </a:ext>
+              </a:extLst>
+            </p:cNvPr>
+            <p:cNvCxnSpPr/>
+            <p:nvPr>
+              <p:extLst>
+                <p:ext uri="{386F3935-93C4-4BCD-93E2-E3B085C9AB24}">
+                  <p16:designElem xmlns:p16="http://schemas.microsoft.com/office/powerpoint/2015/main" val="1"/>
+                </p:ext>
+              </p:extLst>
+            </p:nvPr>
+          </p:nvCxnSpPr>
+          <p:spPr>
+            <a:xfrm flipH="1">
+              <a:off x="10918826" y="3683001"/>
+              <a:ext cx="1270001" cy="1269999"/>
+            </a:xfrm>
+            <a:prstGeom prst="line">
+              <a:avLst/>
+            </a:prstGeom>
+            <a:ln w="28575">
+              <a:solidFill>
+                <a:srgbClr val="FFFFFF"/>
+              </a:solidFill>
+            </a:ln>
+          </p:spPr>
+          <p:style>
+            <a:lnRef idx="2">
+              <a:schemeClr val="accent1"/>
+            </a:lnRef>
+            <a:fillRef idx="0">
+              <a:schemeClr val="accent1"/>
+            </a:fillRef>
+            <a:effectRef idx="1">
+              <a:schemeClr val="accent1"/>
+            </a:effectRef>
+            <a:fontRef idx="minor">
+              <a:schemeClr val="tx1"/>
+            </a:fontRef>
+          </p:style>
+        </p:cxnSp>
+      </p:grpSp>
     </p:spTree>
     <p:extLst>
       <p:ext uri="{BB962C8B-B14F-4D97-AF65-F5344CB8AC3E}">
         <p14:creationId xmlns:p14="http://schemas.microsoft.com/office/powerpoint/2010/main" val="4294303424"/>
+      </p:ext>
+    </p:extLst>
+  </p:cSld>
+  <p:clrMapOvr>
+    <a:overrideClrMapping bg1="lt1" tx1="dk1" bg2="lt2" tx2="dk2" accent1="accent1" accent2="accent2" accent3="accent3" accent4="accent4" accent5="accent5" accent6="accent6" hlink="hlink" folHlink="folHlink"/>
+  </p:clrMapOvr>
+</p:sld>
+</file>
+
+<file path=ppt/slides/slide37.xml><?xml version="1.0" encoding="utf-8"?>
+<p:sld xmlns:a="http://schemas.openxmlformats.org/drawingml/2006/main" xmlns:r="http://schemas.openxmlformats.org/officeDocument/2006/relationships" xmlns:p="http://schemas.openxmlformats.org/presentationml/2006/main">
+  <p:cSld>
+    <p:bg>
+      <p:bgPr>
+        <a:gradFill rotWithShape="1">
+          <a:gsLst>
+            <a:gs pos="10000">
+              <a:schemeClr val="bg2">
+                <a:tint val="97000"/>
+                <a:hueMod val="92000"/>
+                <a:satMod val="169000"/>
+                <a:lumMod val="164000"/>
+              </a:schemeClr>
+            </a:gs>
+            <a:gs pos="100000">
+              <a:schemeClr val="bg2">
+                <a:shade val="96000"/>
+                <a:satMod val="120000"/>
+                <a:lumMod val="90000"/>
+              </a:schemeClr>
+            </a:gs>
+          </a:gsLst>
+          <a:lin ang="6120000" scaled="1"/>
+        </a:gradFill>
+        <a:effectLst/>
+      </p:bgPr>
+    </p:bg>
+    <p:spTree>
+      <p:nvGrpSpPr>
+        <p:cNvPr id="1" name=""/>
+        <p:cNvGrpSpPr/>
+        <p:nvPr/>
+      </p:nvGrpSpPr>
+      <p:grpSpPr>
+        <a:xfrm>
+          <a:off x="0" y="0"/>
+          <a:ext cx="0" cy="0"/>
+          <a:chOff x="0" y="0"/>
+          <a:chExt cx="0" cy="0"/>
+        </a:xfrm>
+      </p:grpSpPr>
+      <p:grpSp>
+        <p:nvGrpSpPr>
+          <p:cNvPr id="23" name="Group 22">
+            <a:extLst>
+              <a:ext uri="{FF2B5EF4-FFF2-40B4-BE49-F238E27FC236}">
+                <a16:creationId xmlns:a16="http://schemas.microsoft.com/office/drawing/2014/main" id="{2103B461-323C-4912-BFFD-C37582662085}"/>
+              </a:ext>
+              <a:ext uri="{C183D7F6-B498-43B3-948B-1728B52AA6E4}">
+                <adec:decorative xmlns:adec="http://schemas.microsoft.com/office/drawing/2017/decorative" val="1"/>
+              </a:ext>
+            </a:extLst>
+          </p:cNvPr>
+          <p:cNvGrpSpPr>
+            <a:grpSpLocks noGrp="1" noUngrp="1" noRot="1" noChangeAspect="1" noMove="1" noResize="1"/>
+          </p:cNvGrpSpPr>
+          <p:nvPr>
+            <p:extLst>
+              <p:ext uri="{386F3935-93C4-4BCD-93E2-E3B085C9AB24}">
+                <p16:designElem xmlns:p16="http://schemas.microsoft.com/office/powerpoint/2015/main" val="1"/>
+              </p:ext>
+            </p:extLst>
+          </p:nvPr>
+        </p:nvGrpSpPr>
+        <p:grpSpPr>
+          <a:xfrm>
+            <a:off x="9206969" y="2963333"/>
+            <a:ext cx="2981858" cy="3208867"/>
+            <a:chOff x="9206969" y="2963333"/>
+            <a:chExt cx="2981858" cy="3208867"/>
+          </a:xfrm>
+        </p:grpSpPr>
+        <p:cxnSp>
+          <p:nvCxnSpPr>
+            <p:cNvPr id="11" name="Straight Connector 10">
+              <a:extLst>
+                <a:ext uri="{FF2B5EF4-FFF2-40B4-BE49-F238E27FC236}">
+                  <a16:creationId xmlns:a16="http://schemas.microsoft.com/office/drawing/2014/main" id="{FBC21318-F4F4-4524-95D1-6B7FE0A788A3}"/>
+                </a:ext>
+                <a:ext uri="{C183D7F6-B498-43B3-948B-1728B52AA6E4}">
+                  <adec:decorative xmlns:adec="http://schemas.microsoft.com/office/drawing/2017/decorative" val="1"/>
+                </a:ext>
+              </a:extLst>
+            </p:cNvPr>
+            <p:cNvCxnSpPr/>
+            <p:nvPr>
+              <p:extLst>
+                <p:ext uri="{386F3935-93C4-4BCD-93E2-E3B085C9AB24}">
+                  <p16:designElem xmlns:p16="http://schemas.microsoft.com/office/powerpoint/2015/main" val="1"/>
+                </p:ext>
+              </p:extLst>
+            </p:nvPr>
+          </p:nvCxnSpPr>
+          <p:spPr>
+            <a:xfrm flipH="1">
+              <a:off x="11276012" y="2963333"/>
+              <a:ext cx="912814" cy="912812"/>
+            </a:xfrm>
+            <a:prstGeom prst="line">
+              <a:avLst/>
+            </a:prstGeom>
+            <a:ln w="9525">
+              <a:solidFill>
+                <a:schemeClr val="tx1"/>
+              </a:solidFill>
+            </a:ln>
+          </p:spPr>
+          <p:style>
+            <a:lnRef idx="2">
+              <a:schemeClr val="accent1"/>
+            </a:lnRef>
+            <a:fillRef idx="0">
+              <a:schemeClr val="accent1"/>
+            </a:fillRef>
+            <a:effectRef idx="1">
+              <a:schemeClr val="accent1"/>
+            </a:effectRef>
+            <a:fontRef idx="minor">
+              <a:schemeClr val="tx1"/>
+            </a:fontRef>
+          </p:style>
+        </p:cxnSp>
+        <p:cxnSp>
+          <p:nvCxnSpPr>
+            <p:cNvPr id="12" name="Straight Connector 11">
+              <a:extLst>
+                <a:ext uri="{FF2B5EF4-FFF2-40B4-BE49-F238E27FC236}">
+                  <a16:creationId xmlns:a16="http://schemas.microsoft.com/office/drawing/2014/main" id="{D9FFA8E5-974F-409E-89C6-E185BD90933C}"/>
+                </a:ext>
+                <a:ext uri="{C183D7F6-B498-43B3-948B-1728B52AA6E4}">
+                  <adec:decorative xmlns:adec="http://schemas.microsoft.com/office/drawing/2017/decorative" val="1"/>
+                </a:ext>
+              </a:extLst>
+            </p:cNvPr>
+            <p:cNvCxnSpPr/>
+            <p:nvPr>
+              <p:extLst>
+                <p:ext uri="{386F3935-93C4-4BCD-93E2-E3B085C9AB24}">
+                  <p16:designElem xmlns:p16="http://schemas.microsoft.com/office/powerpoint/2015/main" val="1"/>
+                </p:ext>
+              </p:extLst>
+            </p:nvPr>
+          </p:nvCxnSpPr>
+          <p:spPr>
+            <a:xfrm flipH="1">
+              <a:off x="9206969" y="3190344"/>
+              <a:ext cx="2981857" cy="2981856"/>
+            </a:xfrm>
+            <a:prstGeom prst="line">
+              <a:avLst/>
+            </a:prstGeom>
+            <a:ln w="9525">
+              <a:solidFill>
+                <a:schemeClr val="tx1"/>
+              </a:solidFill>
+            </a:ln>
+          </p:spPr>
+          <p:style>
+            <a:lnRef idx="2">
+              <a:schemeClr val="accent1"/>
+            </a:lnRef>
+            <a:fillRef idx="0">
+              <a:schemeClr val="accent1"/>
+            </a:fillRef>
+            <a:effectRef idx="1">
+              <a:schemeClr val="accent1"/>
+            </a:effectRef>
+            <a:fontRef idx="minor">
+              <a:schemeClr val="tx1"/>
+            </a:fontRef>
+          </p:style>
+        </p:cxnSp>
+        <p:cxnSp>
+          <p:nvCxnSpPr>
+            <p:cNvPr id="13" name="Straight Connector 12">
+              <a:extLst>
+                <a:ext uri="{FF2B5EF4-FFF2-40B4-BE49-F238E27FC236}">
+                  <a16:creationId xmlns:a16="http://schemas.microsoft.com/office/drawing/2014/main" id="{C384E2B1-7008-45EE-9F2E-FEF3A089780F}"/>
+                </a:ext>
+                <a:ext uri="{C183D7F6-B498-43B3-948B-1728B52AA6E4}">
+                  <adec:decorative xmlns:adec="http://schemas.microsoft.com/office/drawing/2017/decorative" val="1"/>
+                </a:ext>
+              </a:extLst>
+            </p:cNvPr>
+            <p:cNvCxnSpPr/>
+            <p:nvPr>
+              <p:extLst>
+                <p:ext uri="{386F3935-93C4-4BCD-93E2-E3B085C9AB24}">
+                  <p16:designElem xmlns:p16="http://schemas.microsoft.com/office/powerpoint/2015/main" val="1"/>
+                </p:ext>
+              </p:extLst>
+            </p:nvPr>
+          </p:nvCxnSpPr>
+          <p:spPr>
+            <a:xfrm flipH="1">
+              <a:off x="10292292" y="3285067"/>
+              <a:ext cx="1896534" cy="1896533"/>
+            </a:xfrm>
+            <a:prstGeom prst="line">
+              <a:avLst/>
+            </a:prstGeom>
+            <a:ln w="9525">
+              <a:solidFill>
+                <a:schemeClr val="tx1"/>
+              </a:solidFill>
+            </a:ln>
+          </p:spPr>
+          <p:style>
+            <a:lnRef idx="2">
+              <a:schemeClr val="accent1"/>
+            </a:lnRef>
+            <a:fillRef idx="0">
+              <a:schemeClr val="accent1"/>
+            </a:fillRef>
+            <a:effectRef idx="1">
+              <a:schemeClr val="accent1"/>
+            </a:effectRef>
+            <a:fontRef idx="minor">
+              <a:schemeClr val="tx1"/>
+            </a:fontRef>
+          </p:style>
+        </p:cxnSp>
+        <p:cxnSp>
+          <p:nvCxnSpPr>
+            <p:cNvPr id="14" name="Straight Connector 13">
+              <a:extLst>
+                <a:ext uri="{FF2B5EF4-FFF2-40B4-BE49-F238E27FC236}">
+                  <a16:creationId xmlns:a16="http://schemas.microsoft.com/office/drawing/2014/main" id="{D4563410-7FE9-4955-89C6-0FB9326CD3A8}"/>
+                </a:ext>
+                <a:ext uri="{C183D7F6-B498-43B3-948B-1728B52AA6E4}">
+                  <adec:decorative xmlns:adec="http://schemas.microsoft.com/office/drawing/2017/decorative" val="1"/>
+                </a:ext>
+              </a:extLst>
+            </p:cNvPr>
+            <p:cNvCxnSpPr/>
+            <p:nvPr>
+              <p:extLst>
+                <p:ext uri="{386F3935-93C4-4BCD-93E2-E3B085C9AB24}">
+                  <p16:designElem xmlns:p16="http://schemas.microsoft.com/office/powerpoint/2015/main" val="1"/>
+                </p:ext>
+              </p:extLst>
+            </p:nvPr>
+          </p:nvCxnSpPr>
+          <p:spPr>
+            <a:xfrm flipH="1">
+              <a:off x="10443103" y="3131080"/>
+              <a:ext cx="1745722" cy="1745720"/>
+            </a:xfrm>
+            <a:prstGeom prst="line">
+              <a:avLst/>
+            </a:prstGeom>
+            <a:ln w="28575">
+              <a:solidFill>
+                <a:schemeClr val="tx1"/>
+              </a:solidFill>
+            </a:ln>
+          </p:spPr>
+          <p:style>
+            <a:lnRef idx="2">
+              <a:schemeClr val="accent1"/>
+            </a:lnRef>
+            <a:fillRef idx="0">
+              <a:schemeClr val="accent1"/>
+            </a:fillRef>
+            <a:effectRef idx="1">
+              <a:schemeClr val="accent1"/>
+            </a:effectRef>
+            <a:fontRef idx="minor">
+              <a:schemeClr val="tx1"/>
+            </a:fontRef>
+          </p:style>
+        </p:cxnSp>
+        <p:cxnSp>
+          <p:nvCxnSpPr>
+            <p:cNvPr id="15" name="Straight Connector 14">
+              <a:extLst>
+                <a:ext uri="{FF2B5EF4-FFF2-40B4-BE49-F238E27FC236}">
+                  <a16:creationId xmlns:a16="http://schemas.microsoft.com/office/drawing/2014/main" id="{3AD14C0E-D5DF-4BDC-BD92-642CFF18018D}"/>
+                </a:ext>
+                <a:ext uri="{C183D7F6-B498-43B3-948B-1728B52AA6E4}">
+                  <adec:decorative xmlns:adec="http://schemas.microsoft.com/office/drawing/2017/decorative" val="1"/>
+                </a:ext>
+              </a:extLst>
+            </p:cNvPr>
+            <p:cNvCxnSpPr/>
+            <p:nvPr>
+              <p:extLst>
+                <p:ext uri="{386F3935-93C4-4BCD-93E2-E3B085C9AB24}">
+                  <p16:designElem xmlns:p16="http://schemas.microsoft.com/office/powerpoint/2015/main" val="1"/>
+                </p:ext>
+              </p:extLst>
+            </p:nvPr>
+          </p:nvCxnSpPr>
+          <p:spPr>
+            <a:xfrm flipH="1">
+              <a:off x="10918826" y="3683001"/>
+              <a:ext cx="1270001" cy="1269999"/>
+            </a:xfrm>
+            <a:prstGeom prst="line">
+              <a:avLst/>
+            </a:prstGeom>
+            <a:ln w="28575">
+              <a:solidFill>
+                <a:schemeClr val="tx1"/>
+              </a:solidFill>
+            </a:ln>
+          </p:spPr>
+          <p:style>
+            <a:lnRef idx="2">
+              <a:schemeClr val="accent1"/>
+            </a:lnRef>
+            <a:fillRef idx="0">
+              <a:schemeClr val="accent1"/>
+            </a:fillRef>
+            <a:effectRef idx="1">
+              <a:schemeClr val="accent1"/>
+            </a:effectRef>
+            <a:fontRef idx="minor">
+              <a:schemeClr val="tx1"/>
+            </a:fontRef>
+          </p:style>
+        </p:cxnSp>
+      </p:grpSp>
+      <p:sp useBgFill="1">
+        <p:nvSpPr>
+          <p:cNvPr id="24" name="Rectangle 23">
+            <a:extLst>
+              <a:ext uri="{FF2B5EF4-FFF2-40B4-BE49-F238E27FC236}">
+                <a16:creationId xmlns:a16="http://schemas.microsoft.com/office/drawing/2014/main" id="{9A212F8F-D812-4A16-BE82-F3500DE32174}"/>
+              </a:ext>
+              <a:ext uri="{C183D7F6-B498-43B3-948B-1728B52AA6E4}">
+                <adec:decorative xmlns:adec="http://schemas.microsoft.com/office/drawing/2017/decorative" val="1"/>
+              </a:ext>
+            </a:extLst>
+          </p:cNvPr>
+          <p:cNvSpPr>
+            <a:spLocks noGrp="1" noRot="1" noChangeAspect="1" noMove="1" noResize="1" noEditPoints="1" noAdjustHandles="1" noChangeArrowheads="1" noChangeShapeType="1" noTextEdit="1"/>
+          </p:cNvSpPr>
+          <p:nvPr>
+            <p:extLst>
+              <p:ext uri="{386F3935-93C4-4BCD-93E2-E3B085C9AB24}">
+                <p16:designElem xmlns:p16="http://schemas.microsoft.com/office/powerpoint/2015/main" val="1"/>
+              </p:ext>
+            </p:extLst>
+          </p:nvPr>
+        </p:nvSpPr>
+        <p:spPr>
+          <a:xfrm>
+            <a:off x="0" y="0"/>
+            <a:ext cx="12192000" cy="6858000"/>
+          </a:xfrm>
+          <a:prstGeom prst="rect">
+            <a:avLst/>
+          </a:prstGeom>
+          <a:ln>
+            <a:noFill/>
+          </a:ln>
+        </p:spPr>
+        <p:style>
+          <a:lnRef idx="2">
+            <a:schemeClr val="accent1">
+              <a:shade val="50000"/>
+            </a:schemeClr>
+          </a:lnRef>
+          <a:fillRef idx="1">
+            <a:schemeClr val="accent1"/>
+          </a:fillRef>
+          <a:effectRef idx="0">
+            <a:schemeClr val="accent1"/>
+          </a:effectRef>
+          <a:fontRef idx="minor">
+            <a:schemeClr val="lt1"/>
+          </a:fontRef>
+        </p:style>
+        <p:txBody>
+          <a:bodyPr rtlCol="0" anchor="ctr"/>
+          <a:lstStyle/>
+          <a:p>
+            <a:pPr algn="ctr"/>
+            <a:endParaRPr lang="en-US"/>
+          </a:p>
+        </p:txBody>
+      </p:sp>
+      <p:sp>
+        <p:nvSpPr>
+          <p:cNvPr id="25" name="Snip Diagonal Corner Rectangle 24">
+            <a:extLst>
+              <a:ext uri="{FF2B5EF4-FFF2-40B4-BE49-F238E27FC236}">
+                <a16:creationId xmlns:a16="http://schemas.microsoft.com/office/drawing/2014/main" id="{D2CF1D1B-04ED-443D-A9FE-68BF8859BDD6}"/>
+              </a:ext>
+              <a:ext uri="{C183D7F6-B498-43B3-948B-1728B52AA6E4}">
+                <adec:decorative xmlns:adec="http://schemas.microsoft.com/office/drawing/2017/decorative" val="1"/>
+              </a:ext>
+            </a:extLst>
+          </p:cNvPr>
+          <p:cNvSpPr>
+            <a:spLocks noGrp="1" noRot="1" noChangeAspect="1" noMove="1" noResize="1" noEditPoints="1" noAdjustHandles="1" noChangeArrowheads="1" noChangeShapeType="1" noTextEdit="1"/>
+          </p:cNvSpPr>
+          <p:nvPr>
+            <p:extLst>
+              <p:ext uri="{386F3935-93C4-4BCD-93E2-E3B085C9AB24}">
+                <p16:designElem xmlns:p16="http://schemas.microsoft.com/office/powerpoint/2015/main" val="1"/>
+              </p:ext>
+            </p:extLst>
+          </p:nvPr>
+        </p:nvSpPr>
+        <p:spPr>
+          <a:xfrm>
+            <a:off x="628229" y="620722"/>
+            <a:ext cx="10935543" cy="5286838"/>
+          </a:xfrm>
+          <a:prstGeom prst="snip2DiagRect">
+            <a:avLst>
+              <a:gd name="adj1" fmla="val 10787"/>
+              <a:gd name="adj2" fmla="val 0"/>
+            </a:avLst>
+          </a:prstGeom>
+          <a:solidFill>
+            <a:schemeClr val="tx1"/>
+          </a:solidFill>
+          <a:ln>
+            <a:noFill/>
+          </a:ln>
+          <a:effectLst>
+            <a:innerShdw blurRad="57150" dist="38100" dir="14460000">
+              <a:prstClr val="black">
+                <a:alpha val="70000"/>
+              </a:prstClr>
+            </a:innerShdw>
+          </a:effectLst>
+        </p:spPr>
+        <p:style>
+          <a:lnRef idx="2">
+            <a:schemeClr val="accent1">
+              <a:shade val="50000"/>
+            </a:schemeClr>
+          </a:lnRef>
+          <a:fillRef idx="1">
+            <a:schemeClr val="accent1"/>
+          </a:fillRef>
+          <a:effectRef idx="0">
+            <a:schemeClr val="accent1"/>
+          </a:effectRef>
+          <a:fontRef idx="minor">
+            <a:schemeClr val="lt1"/>
+          </a:fontRef>
+        </p:style>
+        <p:txBody>
+          <a:bodyPr rtlCol="0" anchor="ctr"/>
+          <a:lstStyle/>
+          <a:p>
+            <a:pPr algn="ctr"/>
+            <a:endParaRPr lang="en-US"/>
+          </a:p>
+        </p:txBody>
+      </p:sp>
+      <p:pic>
+        <p:nvPicPr>
+          <p:cNvPr id="5" name="Content Placeholder 4">
+            <a:extLst>
+              <a:ext uri="{FF2B5EF4-FFF2-40B4-BE49-F238E27FC236}">
+                <a16:creationId xmlns:a16="http://schemas.microsoft.com/office/drawing/2014/main" id="{E87B6F10-7650-464C-8465-13AB18B8E058}"/>
+              </a:ext>
+            </a:extLst>
+          </p:cNvPr>
+          <p:cNvPicPr>
+            <a:picLocks noGrp="1" noChangeAspect="1"/>
+          </p:cNvPicPr>
+          <p:nvPr>
+            <p:ph idx="1"/>
+          </p:nvPr>
+        </p:nvPicPr>
+        <p:blipFill>
+          <a:blip r:embed="rId2"/>
+          <a:stretch>
+            <a:fillRect/>
+          </a:stretch>
+        </p:blipFill>
+        <p:spPr>
+          <a:xfrm>
+            <a:off x="2465195" y="786117"/>
+            <a:ext cx="7261610" cy="4956048"/>
+          </a:xfrm>
+          <a:custGeom>
+            <a:avLst/>
+            <a:gdLst/>
+            <a:ahLst/>
+            <a:cxnLst/>
+            <a:rect l="l" t="t" r="r" b="b"/>
+            <a:pathLst>
+              <a:path w="10607040" h="4956048">
+                <a:moveTo>
+                  <a:pt x="497480" y="0"/>
+                </a:moveTo>
+                <a:lnTo>
+                  <a:pt x="10607040" y="0"/>
+                </a:lnTo>
+                <a:lnTo>
+                  <a:pt x="10607040" y="4485407"/>
+                </a:lnTo>
+                <a:lnTo>
+                  <a:pt x="10131692" y="4956048"/>
+                </a:lnTo>
+                <a:lnTo>
+                  <a:pt x="0" y="4956048"/>
+                </a:lnTo>
+                <a:lnTo>
+                  <a:pt x="0" y="492554"/>
+                </a:lnTo>
+                <a:close/>
+              </a:path>
+            </a:pathLst>
+          </a:custGeom>
+        </p:spPr>
+      </p:pic>
+    </p:spTree>
+    <p:extLst>
+      <p:ext uri="{BB962C8B-B14F-4D97-AF65-F5344CB8AC3E}">
+        <p14:creationId xmlns:p14="http://schemas.microsoft.com/office/powerpoint/2010/main" val="518342306"/>
       </p:ext>
     </p:extLst>
   </p:cSld>
@@ -19482,9 +20727,17 @@
 </p:sld>
 </file>
 
-<file path=ppt/slides/slide37.xml><?xml version="1.0" encoding="utf-8"?>
+<file path=ppt/slides/slide38.xml><?xml version="1.0" encoding="utf-8"?>
 <p:sld xmlns:a="http://schemas.openxmlformats.org/drawingml/2006/main" xmlns:r="http://schemas.openxmlformats.org/officeDocument/2006/relationships" xmlns:p="http://schemas.openxmlformats.org/presentationml/2006/main">
   <p:cSld>
+    <p:bg>
+      <p:bgPr>
+        <a:solidFill>
+          <a:schemeClr val="bg1"/>
+        </a:solidFill>
+        <a:effectLst/>
+      </p:bgPr>
+    </p:bg>
     <p:spTree>
       <p:nvGrpSpPr>
         <p:cNvPr id="1" name=""/>
@@ -19501,6 +20754,66 @@
       </p:grpSpPr>
       <p:sp>
         <p:nvSpPr>
+          <p:cNvPr id="20" name="Rectangle 19">
+            <a:extLst>
+              <a:ext uri="{FF2B5EF4-FFF2-40B4-BE49-F238E27FC236}">
+                <a16:creationId xmlns:a16="http://schemas.microsoft.com/office/drawing/2014/main" id="{124D9F5B-C72B-41EE-97C2-D3600B62717D}"/>
+              </a:ext>
+              <a:ext uri="{C183D7F6-B498-43B3-948B-1728B52AA6E4}">
+                <adec:decorative xmlns:adec="http://schemas.microsoft.com/office/drawing/2017/decorative" val="1"/>
+              </a:ext>
+            </a:extLst>
+          </p:cNvPr>
+          <p:cNvSpPr>
+            <a:spLocks noGrp="1" noRot="1" noChangeAspect="1" noMove="1" noResize="1" noEditPoints="1" noAdjustHandles="1" noChangeArrowheads="1" noChangeShapeType="1" noTextEdit="1"/>
+          </p:cNvSpPr>
+          <p:nvPr>
+            <p:extLst>
+              <p:ext uri="{386F3935-93C4-4BCD-93E2-E3B085C9AB24}">
+                <p16:designElem xmlns:p16="http://schemas.microsoft.com/office/powerpoint/2015/main" val="1"/>
+              </p:ext>
+            </p:extLst>
+          </p:nvPr>
+        </p:nvSpPr>
+        <p:spPr>
+          <a:xfrm>
+            <a:off x="0" y="0"/>
+            <a:ext cx="12192000" cy="6858000"/>
+          </a:xfrm>
+          <a:prstGeom prst="rect">
+            <a:avLst/>
+          </a:prstGeom>
+          <a:ln>
+            <a:noFill/>
+          </a:ln>
+        </p:spPr>
+        <p:style>
+          <a:lnRef idx="2">
+            <a:schemeClr val="accent1">
+              <a:shade val="50000"/>
+            </a:schemeClr>
+          </a:lnRef>
+          <a:fillRef idx="1002">
+            <a:schemeClr val="dk2"/>
+          </a:fillRef>
+          <a:effectRef idx="0">
+            <a:schemeClr val="accent1"/>
+          </a:effectRef>
+          <a:fontRef idx="minor">
+            <a:schemeClr val="lt1"/>
+          </a:fontRef>
+        </p:style>
+        <p:txBody>
+          <a:bodyPr rtlCol="0" anchor="ctr"/>
+          <a:lstStyle/>
+          <a:p>
+            <a:pPr algn="ctr"/>
+            <a:endParaRPr lang="en-US"/>
+          </a:p>
+        </p:txBody>
+      </p:sp>
+      <p:sp>
+        <p:nvSpPr>
           <p:cNvPr id="2" name="Title 1">
             <a:extLst>
               <a:ext uri="{FF2B5EF4-FFF2-40B4-BE49-F238E27FC236}">
@@ -19515,24 +20828,72 @@
             <p:ph type="title"/>
           </p:nvPr>
         </p:nvSpPr>
-        <p:spPr/>
+        <p:spPr>
+          <a:xfrm>
+            <a:off x="6084114" y="4487332"/>
+            <a:ext cx="4205003" cy="1507067"/>
+          </a:xfrm>
+        </p:spPr>
         <p:txBody>
-          <a:bodyPr/>
+          <a:bodyPr>
+            <a:normAutofit/>
+          </a:bodyPr>
           <a:lstStyle/>
           <a:p>
             <a:r>
-              <a:rPr lang="en-GB" dirty="0"/>
+              <a:rPr lang="en-GB" sz="3200">
+                <a:solidFill>
+                  <a:srgbClr val="FFFFFF"/>
+                </a:solidFill>
+              </a:rPr>
               <a:t>Subscription and Gender Mix</a:t>
             </a:r>
           </a:p>
         </p:txBody>
       </p:sp>
+      <p:pic>
+        <p:nvPicPr>
+          <p:cNvPr id="5" name="Content Placeholder 4">
+            <a:extLst>
+              <a:ext uri="{FF2B5EF4-FFF2-40B4-BE49-F238E27FC236}">
+                <a16:creationId xmlns:a16="http://schemas.microsoft.com/office/drawing/2014/main" id="{28314ED5-1FC2-FDEC-A009-FA1F2CC0A4E8}"/>
+              </a:ext>
+            </a:extLst>
+          </p:cNvPr>
+          <p:cNvPicPr>
+            <a:picLocks noChangeAspect="1"/>
+          </p:cNvPicPr>
+          <p:nvPr/>
+        </p:nvPicPr>
+        <p:blipFill>
+          <a:blip r:embed="rId2"/>
+          <a:stretch>
+            <a:fillRect/>
+          </a:stretch>
+        </p:blipFill>
+        <p:spPr>
+          <a:xfrm>
+            <a:off x="920582" y="643467"/>
+            <a:ext cx="4481403" cy="5350931"/>
+          </a:xfrm>
+          <a:prstGeom prst="rect">
+            <a:avLst/>
+          </a:prstGeom>
+          <a:effectLst>
+            <a:innerShdw blurRad="57150" dist="38100" dir="14460000">
+              <a:prstClr val="black">
+                <a:alpha val="70000"/>
+              </a:prstClr>
+            </a:innerShdw>
+          </a:effectLst>
+        </p:spPr>
+      </p:pic>
       <p:sp>
         <p:nvSpPr>
-          <p:cNvPr id="3" name="Content Placeholder 2">
+          <p:cNvPr id="21" name="Content Placeholder 8">
             <a:extLst>
               <a:ext uri="{FF2B5EF4-FFF2-40B4-BE49-F238E27FC236}">
-                <a16:creationId xmlns:a16="http://schemas.microsoft.com/office/drawing/2014/main" id="{2C68B26E-2F4A-6622-1497-DF2413418D9C}"/>
+                <a16:creationId xmlns:a16="http://schemas.microsoft.com/office/drawing/2014/main" id="{C16BAE1A-E475-44B5-9665-FAD701EFF2D7}"/>
               </a:ext>
             </a:extLst>
           </p:cNvPr>
@@ -19543,15 +20904,308 @@
             <p:ph idx="1"/>
           </p:nvPr>
         </p:nvSpPr>
-        <p:spPr/>
+        <p:spPr>
+          <a:xfrm>
+            <a:off x="6095998" y="685800"/>
+            <a:ext cx="4819653" cy="3615267"/>
+          </a:xfrm>
+        </p:spPr>
         <p:txBody>
-          <a:bodyPr/>
+          <a:bodyPr>
+            <a:normAutofit/>
+          </a:bodyPr>
           <a:lstStyle/>
           <a:p>
-            <a:endParaRPr lang="en-GB"/>
+            <a:endParaRPr lang="en-US" sz="1800" dirty="0">
+              <a:solidFill>
+                <a:srgbClr val="0F496F"/>
+              </a:solidFill>
+            </a:endParaRPr>
           </a:p>
         </p:txBody>
       </p:sp>
+      <p:grpSp>
+        <p:nvGrpSpPr>
+          <p:cNvPr id="14" name="Group 13">
+            <a:extLst>
+              <a:ext uri="{FF2B5EF4-FFF2-40B4-BE49-F238E27FC236}">
+                <a16:creationId xmlns:a16="http://schemas.microsoft.com/office/drawing/2014/main" id="{0180A64C-1862-4B1B-8953-FA96DEE4C44F}"/>
+              </a:ext>
+              <a:ext uri="{C183D7F6-B498-43B3-948B-1728B52AA6E4}">
+                <adec:decorative xmlns:adec="http://schemas.microsoft.com/office/drawing/2017/decorative" val="1"/>
+              </a:ext>
+            </a:extLst>
+          </p:cNvPr>
+          <p:cNvGrpSpPr>
+            <a:grpSpLocks noGrp="1" noUngrp="1" noRot="1" noChangeAspect="1" noMove="1" noResize="1"/>
+          </p:cNvGrpSpPr>
+          <p:nvPr>
+            <p:extLst>
+              <p:ext uri="{386F3935-93C4-4BCD-93E2-E3B085C9AB24}">
+                <p16:designElem xmlns:p16="http://schemas.microsoft.com/office/powerpoint/2015/main" val="1"/>
+              </p:ext>
+            </p:extLst>
+          </p:nvPr>
+        </p:nvGrpSpPr>
+        <p:grpSpPr>
+          <a:xfrm>
+            <a:off x="9206969" y="2963333"/>
+            <a:ext cx="2981858" cy="3208867"/>
+            <a:chOff x="9206969" y="2963333"/>
+            <a:chExt cx="2981858" cy="3208867"/>
+          </a:xfrm>
+        </p:grpSpPr>
+        <p:cxnSp>
+          <p:nvCxnSpPr>
+            <p:cNvPr id="15" name="Straight Connector 14">
+              <a:extLst>
+                <a:ext uri="{FF2B5EF4-FFF2-40B4-BE49-F238E27FC236}">
+                  <a16:creationId xmlns:a16="http://schemas.microsoft.com/office/drawing/2014/main" id="{52859A51-B3CA-4126-956F-D0DCCBA21294}"/>
+                </a:ext>
+                <a:ext uri="{C183D7F6-B498-43B3-948B-1728B52AA6E4}">
+                  <adec:decorative xmlns:adec="http://schemas.microsoft.com/office/drawing/2017/decorative" val="1"/>
+                </a:ext>
+              </a:extLst>
+            </p:cNvPr>
+            <p:cNvCxnSpPr/>
+            <p:nvPr>
+              <p:extLst>
+                <p:ext uri="{386F3935-93C4-4BCD-93E2-E3B085C9AB24}">
+                  <p16:designElem xmlns:p16="http://schemas.microsoft.com/office/powerpoint/2015/main" val="1"/>
+                </p:ext>
+              </p:extLst>
+            </p:nvPr>
+          </p:nvCxnSpPr>
+          <p:spPr>
+            <a:xfrm flipH="1">
+              <a:off x="11276012" y="2963333"/>
+              <a:ext cx="912814" cy="912812"/>
+            </a:xfrm>
+            <a:prstGeom prst="line">
+              <a:avLst/>
+            </a:prstGeom>
+            <a:ln w="9525">
+              <a:solidFill>
+                <a:srgbClr val="FFFFFF"/>
+              </a:solidFill>
+            </a:ln>
+          </p:spPr>
+          <p:style>
+            <a:lnRef idx="2">
+              <a:schemeClr val="accent1"/>
+            </a:lnRef>
+            <a:fillRef idx="0">
+              <a:schemeClr val="accent1"/>
+            </a:fillRef>
+            <a:effectRef idx="1">
+              <a:schemeClr val="accent1"/>
+            </a:effectRef>
+            <a:fontRef idx="minor">
+              <a:schemeClr val="tx1"/>
+            </a:fontRef>
+          </p:style>
+        </p:cxnSp>
+        <p:cxnSp>
+          <p:nvCxnSpPr>
+            <p:cNvPr id="16" name="Straight Connector 15">
+              <a:extLst>
+                <a:ext uri="{FF2B5EF4-FFF2-40B4-BE49-F238E27FC236}">
+                  <a16:creationId xmlns:a16="http://schemas.microsoft.com/office/drawing/2014/main" id="{1ECA05ED-FBC3-48F4-8E6D-AB89EC6081CF}"/>
+                </a:ext>
+                <a:ext uri="{C183D7F6-B498-43B3-948B-1728B52AA6E4}">
+                  <adec:decorative xmlns:adec="http://schemas.microsoft.com/office/drawing/2017/decorative" val="1"/>
+                </a:ext>
+              </a:extLst>
+            </p:cNvPr>
+            <p:cNvCxnSpPr/>
+            <p:nvPr>
+              <p:extLst>
+                <p:ext uri="{386F3935-93C4-4BCD-93E2-E3B085C9AB24}">
+                  <p16:designElem xmlns:p16="http://schemas.microsoft.com/office/powerpoint/2015/main" val="1"/>
+                </p:ext>
+              </p:extLst>
+            </p:nvPr>
+          </p:nvCxnSpPr>
+          <p:spPr>
+            <a:xfrm flipH="1">
+              <a:off x="9206969" y="3190344"/>
+              <a:ext cx="2981857" cy="2981856"/>
+            </a:xfrm>
+            <a:prstGeom prst="line">
+              <a:avLst/>
+            </a:prstGeom>
+            <a:ln w="9525">
+              <a:solidFill>
+                <a:srgbClr val="FFFFFF"/>
+              </a:solidFill>
+            </a:ln>
+          </p:spPr>
+          <p:style>
+            <a:lnRef idx="2">
+              <a:schemeClr val="accent1"/>
+            </a:lnRef>
+            <a:fillRef idx="0">
+              <a:schemeClr val="accent1"/>
+            </a:fillRef>
+            <a:effectRef idx="1">
+              <a:schemeClr val="accent1"/>
+            </a:effectRef>
+            <a:fontRef idx="minor">
+              <a:schemeClr val="tx1"/>
+            </a:fontRef>
+          </p:style>
+        </p:cxnSp>
+        <p:cxnSp>
+          <p:nvCxnSpPr>
+            <p:cNvPr id="17" name="Straight Connector 16">
+              <a:extLst>
+                <a:ext uri="{FF2B5EF4-FFF2-40B4-BE49-F238E27FC236}">
+                  <a16:creationId xmlns:a16="http://schemas.microsoft.com/office/drawing/2014/main" id="{5EE24CC5-F080-45A3-B2B4-59A7BCA5AB4A}"/>
+                </a:ext>
+                <a:ext uri="{C183D7F6-B498-43B3-948B-1728B52AA6E4}">
+                  <adec:decorative xmlns:adec="http://schemas.microsoft.com/office/drawing/2017/decorative" val="1"/>
+                </a:ext>
+              </a:extLst>
+            </p:cNvPr>
+            <p:cNvCxnSpPr/>
+            <p:nvPr>
+              <p:extLst>
+                <p:ext uri="{386F3935-93C4-4BCD-93E2-E3B085C9AB24}">
+                  <p16:designElem xmlns:p16="http://schemas.microsoft.com/office/powerpoint/2015/main" val="1"/>
+                </p:ext>
+              </p:extLst>
+            </p:nvPr>
+          </p:nvCxnSpPr>
+          <p:spPr>
+            <a:xfrm flipH="1">
+              <a:off x="10292292" y="3285067"/>
+              <a:ext cx="1896534" cy="1896533"/>
+            </a:xfrm>
+            <a:prstGeom prst="line">
+              <a:avLst/>
+            </a:prstGeom>
+            <a:ln w="9525">
+              <a:solidFill>
+                <a:srgbClr val="FFFFFF"/>
+              </a:solidFill>
+            </a:ln>
+          </p:spPr>
+          <p:style>
+            <a:lnRef idx="2">
+              <a:schemeClr val="accent1"/>
+            </a:lnRef>
+            <a:fillRef idx="0">
+              <a:schemeClr val="accent1"/>
+            </a:fillRef>
+            <a:effectRef idx="1">
+              <a:schemeClr val="accent1"/>
+            </a:effectRef>
+            <a:fontRef idx="minor">
+              <a:schemeClr val="tx1"/>
+            </a:fontRef>
+          </p:style>
+        </p:cxnSp>
+        <p:cxnSp>
+          <p:nvCxnSpPr>
+            <p:cNvPr id="18" name="Straight Connector 17">
+              <a:extLst>
+                <a:ext uri="{FF2B5EF4-FFF2-40B4-BE49-F238E27FC236}">
+                  <a16:creationId xmlns:a16="http://schemas.microsoft.com/office/drawing/2014/main" id="{B3EC6EC2-2351-427C-90C2-F107915733BC}"/>
+                </a:ext>
+                <a:ext uri="{C183D7F6-B498-43B3-948B-1728B52AA6E4}">
+                  <adec:decorative xmlns:adec="http://schemas.microsoft.com/office/drawing/2017/decorative" val="1"/>
+                </a:ext>
+              </a:extLst>
+            </p:cNvPr>
+            <p:cNvCxnSpPr/>
+            <p:nvPr>
+              <p:extLst>
+                <p:ext uri="{386F3935-93C4-4BCD-93E2-E3B085C9AB24}">
+                  <p16:designElem xmlns:p16="http://schemas.microsoft.com/office/powerpoint/2015/main" val="1"/>
+                </p:ext>
+              </p:extLst>
+            </p:nvPr>
+          </p:nvCxnSpPr>
+          <p:spPr>
+            <a:xfrm flipH="1">
+              <a:off x="10443103" y="3131080"/>
+              <a:ext cx="1745722" cy="1745720"/>
+            </a:xfrm>
+            <a:prstGeom prst="line">
+              <a:avLst/>
+            </a:prstGeom>
+            <a:ln w="28575">
+              <a:solidFill>
+                <a:srgbClr val="FFFFFF"/>
+              </a:solidFill>
+            </a:ln>
+          </p:spPr>
+          <p:style>
+            <a:lnRef idx="2">
+              <a:schemeClr val="accent1"/>
+            </a:lnRef>
+            <a:fillRef idx="0">
+              <a:schemeClr val="accent1"/>
+            </a:fillRef>
+            <a:effectRef idx="1">
+              <a:schemeClr val="accent1"/>
+            </a:effectRef>
+            <a:fontRef idx="minor">
+              <a:schemeClr val="tx1"/>
+            </a:fontRef>
+          </p:style>
+        </p:cxnSp>
+        <p:cxnSp>
+          <p:nvCxnSpPr>
+            <p:cNvPr id="19" name="Straight Connector 18">
+              <a:extLst>
+                <a:ext uri="{FF2B5EF4-FFF2-40B4-BE49-F238E27FC236}">
+                  <a16:creationId xmlns:a16="http://schemas.microsoft.com/office/drawing/2014/main" id="{D524D87A-9540-4F77-B006-823176623BD8}"/>
+                </a:ext>
+                <a:ext uri="{C183D7F6-B498-43B3-948B-1728B52AA6E4}">
+                  <adec:decorative xmlns:adec="http://schemas.microsoft.com/office/drawing/2017/decorative" val="1"/>
+                </a:ext>
+              </a:extLst>
+            </p:cNvPr>
+            <p:cNvCxnSpPr/>
+            <p:nvPr>
+              <p:extLst>
+                <p:ext uri="{386F3935-93C4-4BCD-93E2-E3B085C9AB24}">
+                  <p16:designElem xmlns:p16="http://schemas.microsoft.com/office/powerpoint/2015/main" val="1"/>
+                </p:ext>
+              </p:extLst>
+            </p:nvPr>
+          </p:nvCxnSpPr>
+          <p:spPr>
+            <a:xfrm flipH="1">
+              <a:off x="10918826" y="3683001"/>
+              <a:ext cx="1270001" cy="1269999"/>
+            </a:xfrm>
+            <a:prstGeom prst="line">
+              <a:avLst/>
+            </a:prstGeom>
+            <a:ln w="28575">
+              <a:solidFill>
+                <a:srgbClr val="FFFFFF"/>
+              </a:solidFill>
+            </a:ln>
+          </p:spPr>
+          <p:style>
+            <a:lnRef idx="2">
+              <a:schemeClr val="accent1"/>
+            </a:lnRef>
+            <a:fillRef idx="0">
+              <a:schemeClr val="accent1"/>
+            </a:fillRef>
+            <a:effectRef idx="1">
+              <a:schemeClr val="accent1"/>
+            </a:effectRef>
+            <a:fontRef idx="minor">
+              <a:schemeClr val="tx1"/>
+            </a:fontRef>
+          </p:style>
+        </p:cxnSp>
+      </p:grpSp>
     </p:spTree>
     <p:extLst>
       <p:ext uri="{BB962C8B-B14F-4D97-AF65-F5344CB8AC3E}">
@@ -19560,12 +21214,12 @@
     </p:extLst>
   </p:cSld>
   <p:clrMapOvr>
-    <a:masterClrMapping/>
+    <a:overrideClrMapping bg1="lt1" tx1="dk1" bg2="lt2" tx2="dk2" accent1="accent1" accent2="accent2" accent3="accent3" accent4="accent4" accent5="accent5" accent6="accent6" hlink="hlink" folHlink="folHlink"/>
   </p:clrMapOvr>
 </p:sld>
 </file>
 
-<file path=ppt/slides/slide38.xml><?xml version="1.0" encoding="utf-8"?>
+<file path=ppt/slides/slide39.xml><?xml version="1.0" encoding="utf-8"?>
 <p:sld xmlns:a="http://schemas.openxmlformats.org/drawingml/2006/main" xmlns:r="http://schemas.openxmlformats.org/officeDocument/2006/relationships" xmlns:p="http://schemas.openxmlformats.org/presentationml/2006/main">
   <p:cSld>
     <p:spTree>
@@ -19648,7 +21302,95 @@
 </p:sld>
 </file>
 
-<file path=ppt/slides/slide39.xml><?xml version="1.0" encoding="utf-8"?>
+<file path=ppt/slides/slide4.xml><?xml version="1.0" encoding="utf-8"?>
+<p:sld xmlns:a="http://schemas.openxmlformats.org/drawingml/2006/main" xmlns:r="http://schemas.openxmlformats.org/officeDocument/2006/relationships" xmlns:p="http://schemas.openxmlformats.org/presentationml/2006/main">
+  <p:cSld>
+    <p:spTree>
+      <p:nvGrpSpPr>
+        <p:cNvPr id="1" name=""/>
+        <p:cNvGrpSpPr/>
+        <p:nvPr/>
+      </p:nvGrpSpPr>
+      <p:grpSpPr>
+        <a:xfrm>
+          <a:off x="0" y="0"/>
+          <a:ext cx="0" cy="0"/>
+          <a:chOff x="0" y="0"/>
+          <a:chExt cx="0" cy="0"/>
+        </a:xfrm>
+      </p:grpSpPr>
+      <p:sp>
+        <p:nvSpPr>
+          <p:cNvPr id="4" name="Content Placeholder 3">
+            <a:extLst>
+              <a:ext uri="{FF2B5EF4-FFF2-40B4-BE49-F238E27FC236}">
+                <a16:creationId xmlns:a16="http://schemas.microsoft.com/office/drawing/2014/main" id="{2BEC370D-644D-5043-2625-29C0468D0DF4}"/>
+              </a:ext>
+            </a:extLst>
+          </p:cNvPr>
+          <p:cNvSpPr>
+            <a:spLocks noGrp="1"/>
+          </p:cNvSpPr>
+          <p:nvPr>
+            <p:ph idx="1"/>
+          </p:nvPr>
+        </p:nvSpPr>
+        <p:spPr>
+          <a:xfrm>
+            <a:off x="1828800" y="1245093"/>
+            <a:ext cx="8534400" cy="3614738"/>
+          </a:xfrm>
+          <a:prstGeom prst="roundRect">
+            <a:avLst/>
+          </a:prstGeom>
+          <a:solidFill>
+            <a:srgbClr val="48CAE4"/>
+          </a:solidFill>
+          <a:ln w="38100"/>
+        </p:spPr>
+        <p:style>
+          <a:lnRef idx="2">
+            <a:schemeClr val="accent1">
+              <a:shade val="15000"/>
+            </a:schemeClr>
+          </a:lnRef>
+          <a:fillRef idx="1">
+            <a:schemeClr val="accent1"/>
+          </a:fillRef>
+          <a:effectRef idx="0">
+            <a:schemeClr val="accent1"/>
+          </a:effectRef>
+          <a:fontRef idx="minor">
+            <a:schemeClr val="lt1"/>
+          </a:fontRef>
+        </p:style>
+        <p:txBody>
+          <a:bodyPr rtlCol="0" anchor="ctr"/>
+          <a:lstStyle/>
+          <a:p>
+            <a:pPr algn="ctr"/>
+            <a:r>
+              <a:rPr lang="en-AU" sz="6000" dirty="0"/>
+              <a:t>Top 10 Movies</a:t>
+            </a:r>
+            <a:endParaRPr lang="en-AU" sz="5000" dirty="0"/>
+          </a:p>
+        </p:txBody>
+      </p:sp>
+    </p:spTree>
+    <p:extLst>
+      <p:ext uri="{BB962C8B-B14F-4D97-AF65-F5344CB8AC3E}">
+        <p14:creationId xmlns:p14="http://schemas.microsoft.com/office/powerpoint/2010/main" val="3436168471"/>
+      </p:ext>
+    </p:extLst>
+  </p:cSld>
+  <p:clrMapOvr>
+    <a:masterClrMapping/>
+  </p:clrMapOvr>
+</p:sld>
+</file>
+
+<file path=ppt/slides/slide40.xml><?xml version="1.0" encoding="utf-8"?>
 <p:sld xmlns:a="http://schemas.openxmlformats.org/drawingml/2006/main" xmlns:r="http://schemas.openxmlformats.org/officeDocument/2006/relationships" xmlns:p="http://schemas.openxmlformats.org/presentationml/2006/main">
   <p:cSld>
     <p:spTree>
@@ -20114,95 +21856,7 @@
 </p:sld>
 </file>
 
-<file path=ppt/slides/slide4.xml><?xml version="1.0" encoding="utf-8"?>
-<p:sld xmlns:a="http://schemas.openxmlformats.org/drawingml/2006/main" xmlns:r="http://schemas.openxmlformats.org/officeDocument/2006/relationships" xmlns:p="http://schemas.openxmlformats.org/presentationml/2006/main">
-  <p:cSld>
-    <p:spTree>
-      <p:nvGrpSpPr>
-        <p:cNvPr id="1" name=""/>
-        <p:cNvGrpSpPr/>
-        <p:nvPr/>
-      </p:nvGrpSpPr>
-      <p:grpSpPr>
-        <a:xfrm>
-          <a:off x="0" y="0"/>
-          <a:ext cx="0" cy="0"/>
-          <a:chOff x="0" y="0"/>
-          <a:chExt cx="0" cy="0"/>
-        </a:xfrm>
-      </p:grpSpPr>
-      <p:sp>
-        <p:nvSpPr>
-          <p:cNvPr id="4" name="Content Placeholder 3">
-            <a:extLst>
-              <a:ext uri="{FF2B5EF4-FFF2-40B4-BE49-F238E27FC236}">
-                <a16:creationId xmlns:a16="http://schemas.microsoft.com/office/drawing/2014/main" id="{2BEC370D-644D-5043-2625-29C0468D0DF4}"/>
-              </a:ext>
-            </a:extLst>
-          </p:cNvPr>
-          <p:cNvSpPr>
-            <a:spLocks noGrp="1"/>
-          </p:cNvSpPr>
-          <p:nvPr>
-            <p:ph idx="1"/>
-          </p:nvPr>
-        </p:nvSpPr>
-        <p:spPr>
-          <a:xfrm>
-            <a:off x="1828800" y="1245093"/>
-            <a:ext cx="8534400" cy="3614738"/>
-          </a:xfrm>
-          <a:prstGeom prst="roundRect">
-            <a:avLst/>
-          </a:prstGeom>
-          <a:solidFill>
-            <a:srgbClr val="48CAE4"/>
-          </a:solidFill>
-          <a:ln w="38100"/>
-        </p:spPr>
-        <p:style>
-          <a:lnRef idx="2">
-            <a:schemeClr val="accent1">
-              <a:shade val="15000"/>
-            </a:schemeClr>
-          </a:lnRef>
-          <a:fillRef idx="1">
-            <a:schemeClr val="accent1"/>
-          </a:fillRef>
-          <a:effectRef idx="0">
-            <a:schemeClr val="accent1"/>
-          </a:effectRef>
-          <a:fontRef idx="minor">
-            <a:schemeClr val="lt1"/>
-          </a:fontRef>
-        </p:style>
-        <p:txBody>
-          <a:bodyPr rtlCol="0" anchor="ctr"/>
-          <a:lstStyle/>
-          <a:p>
-            <a:pPr algn="ctr"/>
-            <a:r>
-              <a:rPr lang="en-AU" sz="6000" dirty="0"/>
-              <a:t>Top 10 Movies</a:t>
-            </a:r>
-            <a:endParaRPr lang="en-AU" sz="5000" dirty="0"/>
-          </a:p>
-        </p:txBody>
-      </p:sp>
-    </p:spTree>
-    <p:extLst>
-      <p:ext uri="{BB962C8B-B14F-4D97-AF65-F5344CB8AC3E}">
-        <p14:creationId xmlns:p14="http://schemas.microsoft.com/office/powerpoint/2010/main" val="3436168471"/>
-      </p:ext>
-    </p:extLst>
-  </p:cSld>
-  <p:clrMapOvr>
-    <a:masterClrMapping/>
-  </p:clrMapOvr>
-</p:sld>
-</file>
-
-<file path=ppt/slides/slide40.xml><?xml version="1.0" encoding="utf-8"?>
+<file path=ppt/slides/slide41.xml><?xml version="1.0" encoding="utf-8"?>
 <p:sld xmlns:a="http://schemas.openxmlformats.org/drawingml/2006/main" xmlns:r="http://schemas.openxmlformats.org/officeDocument/2006/relationships" xmlns:p="http://schemas.openxmlformats.org/presentationml/2006/main">
   <p:cSld>
     <p:spTree>
@@ -20936,7 +22590,7 @@
 </p:sld>
 </file>
 
-<file path=ppt/slides/slide41.xml><?xml version="1.0" encoding="utf-8"?>
+<file path=ppt/slides/slide42.xml><?xml version="1.0" encoding="utf-8"?>
 <p:sld xmlns:a="http://schemas.openxmlformats.org/drawingml/2006/main" xmlns:r="http://schemas.openxmlformats.org/officeDocument/2006/relationships" xmlns:p="http://schemas.openxmlformats.org/presentationml/2006/main">
   <p:cSld>
     <p:spTree>
@@ -21159,7 +22813,7 @@
 </p:sld>
 </file>
 
-<file path=ppt/slides/slide42.xml><?xml version="1.0" encoding="utf-8"?>
+<file path=ppt/slides/slide43.xml><?xml version="1.0" encoding="utf-8"?>
 <p:sld xmlns:a="http://schemas.openxmlformats.org/drawingml/2006/main" xmlns:r="http://schemas.openxmlformats.org/officeDocument/2006/relationships" xmlns:p="http://schemas.openxmlformats.org/presentationml/2006/main">
   <p:cSld>
     <p:spTree>
